--- a/Slides/SDHCAL_20170509.pptx
+++ b/Slides/SDHCAL_20170509.pptx
@@ -3876,7 +3876,9 @@
           <a:lstStyle/>
           <a:p>
             <a:r>
-              <a:rPr lang="en-US" altLang="zh-CN" dirty="0" smtClean="0"/>
+              <a:rPr lang="en-US" altLang="zh-CN" dirty="0">
+                <a:latin typeface="+mj-lt"/>
+              </a:rPr>
               <a:t>DHCAL</a:t>
             </a:r>
             <a:r>
@@ -4033,7 +4035,7 @@
         </p:nvGrpSpPr>
         <p:grpSpPr>
           <a:xfrm>
-            <a:off x="3384000" y="3258000"/>
+            <a:off x="1714859" y="3193837"/>
             <a:ext cx="5760000" cy="3600000"/>
             <a:chOff x="2043954" y="2538000"/>
             <a:chExt cx="5760000" cy="4320000"/>
@@ -4105,6 +4107,30 @@
           </p:style>
         </p:cxnSp>
       </p:grpSp>
+      <p:pic>
+        <p:nvPicPr>
+          <p:cNvPr id="8" name="图片 7"/>
+          <p:cNvPicPr>
+            <a:picLocks noChangeAspect="1"/>
+          </p:cNvPicPr>
+          <p:nvPr/>
+        </p:nvPicPr>
+        <p:blipFill>
+          <a:blip r:embed="rId3"/>
+          <a:stretch>
+            <a:fillRect/>
+          </a:stretch>
+        </p:blipFill>
+        <p:spPr>
+          <a:xfrm>
+            <a:off x="6225545" y="1431138"/>
+            <a:ext cx="2842077" cy="1289391"/>
+          </a:xfrm>
+          <a:prstGeom prst="rect">
+            <a:avLst/>
+          </a:prstGeom>
+        </p:spPr>
+      </p:pic>
     </p:spTree>
     <p:extLst>
       <p:ext uri="{BB962C8B-B14F-4D97-AF65-F5344CB8AC3E}">
@@ -4530,6 +4556,140 @@
           </a:p>
         </p:txBody>
       </p:sp>
+      <p:cxnSp>
+        <p:nvCxnSpPr>
+          <p:cNvPr id="12" name="直接箭头连接符 11"/>
+          <p:cNvCxnSpPr/>
+          <p:nvPr/>
+        </p:nvCxnSpPr>
+        <p:spPr>
+          <a:xfrm flipH="1">
+            <a:off x="1609860" y="3618963"/>
+            <a:ext cx="1493948" cy="1300767"/>
+          </a:xfrm>
+          <a:prstGeom prst="straightConnector1">
+            <a:avLst/>
+          </a:prstGeom>
+          <a:ln>
+            <a:tailEnd type="triangle"/>
+          </a:ln>
+        </p:spPr>
+        <p:style>
+          <a:lnRef idx="3">
+            <a:schemeClr val="dk1"/>
+          </a:lnRef>
+          <a:fillRef idx="0">
+            <a:schemeClr val="dk1"/>
+          </a:fillRef>
+          <a:effectRef idx="2">
+            <a:schemeClr val="dk1"/>
+          </a:effectRef>
+          <a:fontRef idx="minor">
+            <a:schemeClr val="tx1"/>
+          </a:fontRef>
+        </p:style>
+      </p:cxnSp>
+      <p:sp>
+        <p:nvSpPr>
+          <p:cNvPr id="14" name="文本框 13"/>
+          <p:cNvSpPr txBox="1"/>
+          <p:nvPr/>
+        </p:nvSpPr>
+        <p:spPr>
+          <a:xfrm>
+            <a:off x="2616676" y="3337578"/>
+            <a:ext cx="1223284" cy="369332"/>
+          </a:xfrm>
+          <a:prstGeom prst="rect">
+            <a:avLst/>
+          </a:prstGeom>
+          <a:noFill/>
+        </p:spPr>
+        <p:txBody>
+          <a:bodyPr wrap="none" rtlCol="0">
+            <a:spAutoFit/>
+          </a:bodyPr>
+          <a:lstStyle/>
+          <a:p>
+            <a:r>
+              <a:rPr lang="zh-CN" altLang="en-US" dirty="0" smtClean="0"/>
+              <a:t>击中的</a:t>
+            </a:r>
+            <a:r>
+              <a:rPr lang="en-US" altLang="zh-CN" dirty="0" smtClean="0"/>
+              <a:t>Pad</a:t>
+            </a:r>
+            <a:endParaRPr lang="zh-CN" altLang="en-US" dirty="0"/>
+          </a:p>
+        </p:txBody>
+      </p:sp>
+      <p:cxnSp>
+        <p:nvCxnSpPr>
+          <p:cNvPr id="15" name="直接箭头连接符 14"/>
+          <p:cNvCxnSpPr/>
+          <p:nvPr/>
+        </p:nvCxnSpPr>
+        <p:spPr>
+          <a:xfrm flipH="1">
+            <a:off x="5942151" y="4045294"/>
+            <a:ext cx="1132323" cy="459651"/>
+          </a:xfrm>
+          <a:prstGeom prst="straightConnector1">
+            <a:avLst/>
+          </a:prstGeom>
+          <a:ln>
+            <a:tailEnd type="triangle"/>
+          </a:ln>
+        </p:spPr>
+        <p:style>
+          <a:lnRef idx="3">
+            <a:schemeClr val="dk1"/>
+          </a:lnRef>
+          <a:fillRef idx="0">
+            <a:schemeClr val="dk1"/>
+          </a:fillRef>
+          <a:effectRef idx="2">
+            <a:schemeClr val="dk1"/>
+          </a:effectRef>
+          <a:fontRef idx="minor">
+            <a:schemeClr val="tx1"/>
+          </a:fontRef>
+        </p:style>
+      </p:cxnSp>
+      <p:sp>
+        <p:nvSpPr>
+          <p:cNvPr id="16" name="文本框 15"/>
+          <p:cNvSpPr txBox="1"/>
+          <p:nvPr/>
+        </p:nvSpPr>
+        <p:spPr>
+          <a:xfrm>
+            <a:off x="6939197" y="3706910"/>
+            <a:ext cx="1223284" cy="369332"/>
+          </a:xfrm>
+          <a:prstGeom prst="rect">
+            <a:avLst/>
+          </a:prstGeom>
+          <a:noFill/>
+        </p:spPr>
+        <p:txBody>
+          <a:bodyPr wrap="none" rtlCol="0">
+            <a:spAutoFit/>
+          </a:bodyPr>
+          <a:lstStyle/>
+          <a:p>
+            <a:r>
+              <a:rPr lang="zh-CN" altLang="en-US" dirty="0" smtClean="0"/>
+              <a:t>击中的</a:t>
+            </a:r>
+            <a:r>
+              <a:rPr lang="en-US" altLang="zh-CN" dirty="0" smtClean="0"/>
+              <a:t>Pad</a:t>
+            </a:r>
+            <a:endParaRPr lang="zh-CN" altLang="en-US" dirty="0"/>
+          </a:p>
+        </p:txBody>
+      </p:sp>
     </p:spTree>
     <p:extLst>
       <p:ext uri="{BB962C8B-B14F-4D97-AF65-F5344CB8AC3E}">
@@ -4778,7 +4938,7 @@
             </a:r>
             <a:r>
               <a:rPr lang="zh-CN" altLang="en-US" dirty="0" smtClean="0"/>
-              <a:t>上焊一个电容注入电荷</a:t>
+              <a:t>上焊一个电容，用于注入电荷</a:t>
             </a:r>
             <a:endParaRPr lang="en-US" altLang="zh-CN" dirty="0" smtClean="0"/>
           </a:p>
@@ -4786,18 +4946,34 @@
             <a:pPr lvl="1"/>
             <a:r>
               <a:rPr lang="zh-CN" altLang="en-US" dirty="0" smtClean="0"/>
-              <a:t>需要从新焊一块电路板</a:t>
+              <a:t>需要从新焊</a:t>
+            </a:r>
+            <a:r>
+              <a:rPr lang="zh-CN" altLang="en-US" dirty="0" smtClean="0"/>
+              <a:t>一块阳极板</a:t>
             </a:r>
             <a:endParaRPr lang="en-US" altLang="zh-CN" dirty="0" smtClean="0"/>
           </a:p>
           <a:p>
             <a:r>
-              <a:rPr lang="en-US" altLang="zh-CN" dirty="0" err="1" smtClean="0"/>
-              <a:t>Anlysis</a:t>
+              <a:rPr lang="en-US" altLang="zh-CN" dirty="0" smtClean="0"/>
+              <a:t>ANSYS </a:t>
+            </a:r>
+            <a:r>
+              <a:rPr lang="en-US" altLang="zh-CN" dirty="0"/>
+              <a:t>Electromagnetics</a:t>
             </a:r>
             <a:r>
               <a:rPr lang="zh-CN" altLang="en-US" dirty="0" smtClean="0"/>
               <a:t>仿真</a:t>
+            </a:r>
+            <a:endParaRPr lang="en-US" altLang="zh-CN" dirty="0" smtClean="0"/>
+          </a:p>
+          <a:p>
+            <a:pPr lvl="1"/>
+            <a:r>
+              <a:rPr lang="zh-CN" altLang="en-US" dirty="0" smtClean="0"/>
+              <a:t>改版之前仿真</a:t>
             </a:r>
             <a:endParaRPr lang="zh-CN" altLang="en-US" dirty="0"/>
           </a:p>
@@ -5018,24 +5194,20 @@
             <a:prstGeom prst="rect">
               <a:avLst/>
             </a:prstGeom>
-            <a:ln>
-              <a:solidFill>
-                <a:schemeClr val="tx1"/>
-              </a:solidFill>
-            </a:ln>
+            <a:ln/>
           </p:spPr>
           <p:style>
-            <a:lnRef idx="2">
+            <a:lnRef idx="0">
               <a:schemeClr val="accent1"/>
             </a:lnRef>
-            <a:fillRef idx="1">
-              <a:schemeClr val="lt1"/>
+            <a:fillRef idx="3">
+              <a:schemeClr val="accent1"/>
             </a:fillRef>
-            <a:effectRef idx="0">
+            <a:effectRef idx="3">
               <a:schemeClr val="accent1"/>
             </a:effectRef>
             <a:fontRef idx="minor">
-              <a:schemeClr val="dk1"/>
+              <a:schemeClr val="lt1"/>
             </a:fontRef>
           </p:style>
           <p:txBody>
